--- a/5. БЭМ/5.pptx
+++ b/5. БЭМ/5.pptx
@@ -285,7 +285,7 @@
           <a:p>
             <a:fld id="{1160EA64-D806-43AC-9DF2-F8C432F32B4C}" type="datetimeFigureOut">
               <a:rPr lang="en-US" dirty="0"/>
-              <a:t>10/7/2024</a:t>
+              <a:t>10/6/2025</a:t>
             </a:fld>
             <a:endParaRPr lang="en-US" dirty="0"/>
           </a:p>
@@ -451,7 +451,7 @@
           <a:p>
             <a:fld id="{E9F9C37B-1D36-470B-8223-D6C91242EC14}" type="datetimeFigureOut">
               <a:rPr lang="en-US" dirty="0"/>
-              <a:t>10/7/2024</a:t>
+              <a:t>10/6/2025</a:t>
             </a:fld>
             <a:endParaRPr lang="en-US" dirty="0"/>
           </a:p>
@@ -626,7 +626,7 @@
           <a:p>
             <a:fld id="{67C6F52A-A82B-47A2-A83A-8C4C91F2D59F}" type="datetimeFigureOut">
               <a:rPr lang="en-US" dirty="0"/>
-              <a:t>10/7/2024</a:t>
+              <a:t>10/6/2025</a:t>
             </a:fld>
             <a:endParaRPr lang="en-US" dirty="0"/>
           </a:p>
@@ -791,7 +791,7 @@
           <a:p>
             <a:fld id="{F070A7B3-6521-4DCA-87E5-044747A908C1}" type="datetimeFigureOut">
               <a:rPr lang="en-US" dirty="0"/>
-              <a:t>10/7/2024</a:t>
+              <a:t>10/6/2025</a:t>
             </a:fld>
             <a:endParaRPr lang="en-US" dirty="0"/>
           </a:p>
@@ -1055,7 +1055,7 @@
           <a:p>
             <a:fld id="{1160EA64-D806-43AC-9DF2-F8C432F32B4C}" type="datetimeFigureOut">
               <a:rPr lang="en-US" dirty="0"/>
-              <a:t>10/7/2024</a:t>
+              <a:t>10/6/2025</a:t>
             </a:fld>
             <a:endParaRPr lang="en-US" dirty="0"/>
           </a:p>
@@ -1283,7 +1283,7 @@
           <a:p>
             <a:fld id="{AB134690-1557-4C89-A502-4959FE7FAD70}" type="datetimeFigureOut">
               <a:rPr lang="en-US" dirty="0"/>
-              <a:t>10/7/2024</a:t>
+              <a:t>10/6/2025</a:t>
             </a:fld>
             <a:endParaRPr lang="en-US" dirty="0"/>
           </a:p>
@@ -1637,7 +1637,7 @@
           <a:p>
             <a:fld id="{4F7D4976-E339-4826-83B7-FBD03F55ECF8}" type="datetimeFigureOut">
               <a:rPr lang="en-US" dirty="0"/>
-              <a:t>10/7/2024</a:t>
+              <a:t>10/6/2025</a:t>
             </a:fld>
             <a:endParaRPr lang="en-US" dirty="0"/>
           </a:p>
@@ -1773,7 +1773,7 @@
           <a:p>
             <a:fld id="{E1037C31-9E7A-4F99-8774-A0E530DE1A42}" type="datetimeFigureOut">
               <a:rPr lang="en-US" dirty="0"/>
-              <a:t>10/7/2024</a:t>
+              <a:t>10/6/2025</a:t>
             </a:fld>
             <a:endParaRPr lang="en-US" dirty="0"/>
           </a:p>
@@ -1863,7 +1863,7 @@
           <a:p>
             <a:fld id="{C278504F-A551-4DE0-9316-4DCD1D8CC752}" type="datetimeFigureOut">
               <a:rPr lang="en-US" dirty="0"/>
-              <a:t>10/7/2024</a:t>
+              <a:t>10/6/2025</a:t>
             </a:fld>
             <a:endParaRPr lang="en-US" dirty="0"/>
           </a:p>
@@ -2215,7 +2215,7 @@
           <a:p>
             <a:fld id="{D1BE4249-C0D0-4B06-8692-E8BB871AF643}" type="datetimeFigureOut">
               <a:rPr lang="en-US" dirty="0"/>
-              <a:t>10/7/2024</a:t>
+              <a:t>10/6/2025</a:t>
             </a:fld>
             <a:endParaRPr lang="en-US" dirty="0"/>
           </a:p>
@@ -2567,7 +2567,7 @@
           <a:p>
             <a:fld id="{042B0DB6-F5C7-45FB-8CF3-31B45F9C2DAC}" type="datetimeFigureOut">
               <a:rPr lang="en-US" dirty="0"/>
-              <a:t>10/7/2024</a:t>
+              <a:t>10/6/2025</a:t>
             </a:fld>
             <a:endParaRPr lang="en-US" dirty="0"/>
           </a:p>
@@ -2804,7 +2804,7 @@
           <a:p>
             <a:fld id="{1160EA64-D806-43AC-9DF2-F8C432F32B4C}" type="datetimeFigureOut">
               <a:rPr lang="en-US" dirty="0"/>
-              <a:t>10/7/2024</a:t>
+              <a:t>10/6/2025</a:t>
             </a:fld>
             <a:endParaRPr lang="en-US" dirty="0"/>
           </a:p>
@@ -4004,8 +4004,8 @@
         </p:nvSpPr>
         <p:spPr>
           <a:xfrm>
-            <a:off x="548873" y="855784"/>
-            <a:ext cx="10652525" cy="4619854"/>
+            <a:off x="489606" y="556846"/>
+            <a:ext cx="10652526" cy="3747436"/>
           </a:xfrm>
           <a:prstGeom prst="rect">
             <a:avLst/>
@@ -4024,7 +4024,7 @@
               </a:lnSpc>
             </a:pPr>
             <a:r>
-              <a:rPr lang="ru-RU" dirty="0"/>
+              <a:rPr lang="ru-RU" sz="1600" dirty="0"/>
               <a:t>Требования к методологии сформированные разработчиками «Яндекса»:</a:t>
             </a:r>
           </a:p>
@@ -4037,7 +4037,7 @@
               <a:buChar char="•"/>
             </a:pPr>
             <a:r>
-              <a:rPr lang="ru-RU" dirty="0"/>
+              <a:rPr lang="ru-RU" sz="1600" dirty="0"/>
               <a:t>Разработчик должен понимать свой код (даже вернувшись к нему через год) и код любого программиста в команде БЭМ-проекта.</a:t>
             </a:r>
           </a:p>
@@ -4050,7 +4050,7 @@
               <a:buChar char="•"/>
             </a:pPr>
             <a:r>
-              <a:rPr lang="ru-RU" dirty="0"/>
+              <a:rPr lang="ru-RU" sz="1600" dirty="0"/>
               <a:t>Любой блок кода может быть использован повторно.</a:t>
             </a:r>
           </a:p>
@@ -4063,7 +4063,7 @@
               <a:buChar char="•"/>
             </a:pPr>
             <a:r>
-              <a:rPr lang="ru-RU" dirty="0"/>
+              <a:rPr lang="ru-RU" sz="1600" dirty="0"/>
               <a:t>Работая в одной команде, разработчики, менеджеры, дизайнеры и верстальщики должны называть одни и те же вещи одинаково. </a:t>
             </a:r>
           </a:p>
@@ -4076,7 +4076,7 @@
               <a:buChar char="•"/>
             </a:pPr>
             <a:r>
-              <a:rPr lang="ru-RU" dirty="0"/>
+              <a:rPr lang="ru-RU" sz="1600" dirty="0"/>
               <a:t>Команды могут обмениваться специалистами для реализации какой-то конкретной функциональности.</a:t>
             </a:r>
           </a:p>
@@ -4089,7 +4089,7 @@
               <a:buChar char="•"/>
             </a:pPr>
             <a:r>
-              <a:rPr lang="ru-RU" dirty="0"/>
+              <a:rPr lang="ru-RU" sz="1600" dirty="0"/>
               <a:t>Порог входа при переходе на новый проект должен быть снижен за счет одинаковой структуры организации всех БЭМ-проектов и одинаковых правил именования всех сущностей.</a:t>
             </a:r>
           </a:p>
@@ -4102,20 +4102,50 @@
               <a:buChar char="•"/>
             </a:pPr>
             <a:r>
-              <a:rPr lang="ru-RU" dirty="0"/>
+              <a:rPr lang="ru-RU" sz="1600" dirty="0"/>
               <a:t>БЭМ позволяет нам </a:t>
             </a:r>
             <a:r>
-              <a:rPr lang="ru-RU" dirty="0" err="1"/>
+              <a:rPr lang="ru-RU" sz="1600" dirty="0" err="1"/>
               <a:t>по-минимуму</a:t>
             </a:r>
             <a:r>
-              <a:rPr lang="ru-RU" dirty="0"/>
+              <a:rPr lang="ru-RU" sz="1600" dirty="0"/>
               <a:t> думать о спецификации и весах.</a:t>
             </a:r>
           </a:p>
         </p:txBody>
       </p:sp>
+      <p:pic>
+        <p:nvPicPr>
+          <p:cNvPr id="4" name="Picture 3">
+            <a:extLst>
+              <a:ext uri="{FF2B5EF4-FFF2-40B4-BE49-F238E27FC236}">
+                <a16:creationId xmlns:a16="http://schemas.microsoft.com/office/drawing/2014/main" id="{A0DE35E4-0347-49C5-8C12-EFCFC5DF481E}"/>
+              </a:ext>
+            </a:extLst>
+          </p:cNvPr>
+          <p:cNvPicPr>
+            <a:picLocks noChangeAspect="1"/>
+          </p:cNvPicPr>
+          <p:nvPr/>
+        </p:nvPicPr>
+        <p:blipFill>
+          <a:blip r:embed="rId2"/>
+          <a:stretch>
+            <a:fillRect/>
+          </a:stretch>
+        </p:blipFill>
+        <p:spPr>
+          <a:xfrm>
+            <a:off x="1928812" y="4304282"/>
+            <a:ext cx="8078787" cy="2590693"/>
+          </a:xfrm>
+          <a:prstGeom prst="rect">
+            <a:avLst/>
+          </a:prstGeom>
+        </p:spPr>
+      </p:pic>
     </p:spTree>
     <p:extLst>
       <p:ext uri="{BB962C8B-B14F-4D97-AF65-F5344CB8AC3E}">
